--- a/conf/VDP3_ovierview.pptx
+++ b/conf/VDP3_ovierview.pptx
@@ -14,6 +14,7 @@
     <p:sldId id="267" r:id="rId8"/>
     <p:sldId id="259" r:id="rId9"/>
     <p:sldId id="268" r:id="rId10"/>
+    <p:sldId id="270" r:id="rId11"/>
   </p:sldIdLst>
   <p:sldSz cx="12192000" cy="6858000"/>
   <p:notesSz cx="6858000" cy="9144000"/>
@@ -112,6 +113,11 @@
       </a:defRPr>
     </a:lvl9pPr>
   </p:defaultTextStyle>
+  <p:extLst>
+    <p:ext uri="{EFAFB233-063F-42B5-8137-9DF3F51BA10A}">
+      <p15:sldGuideLst xmlns:p15="http://schemas.microsoft.com/office/powerpoint/2012/main"/>
+    </p:ext>
+  </p:extLst>
 </p:presentation>
 </file>
 
@@ -264,7 +270,7 @@
           <a:p>
             <a:fld id="{5EBBA783-FA16-49BD-ABA3-B77C8494C0C7}" type="datetimeFigureOut">
               <a:rPr lang="en-AU" smtClean="0"/>
-              <a:t>26/04/2020</a:t>
+              <a:t>4/05/2020</a:t>
             </a:fld>
             <a:endParaRPr lang="en-AU"/>
           </a:p>
@@ -464,7 +470,7 @@
           <a:p>
             <a:fld id="{5EBBA783-FA16-49BD-ABA3-B77C8494C0C7}" type="datetimeFigureOut">
               <a:rPr lang="en-AU" smtClean="0"/>
-              <a:t>26/04/2020</a:t>
+              <a:t>4/05/2020</a:t>
             </a:fld>
             <a:endParaRPr lang="en-AU"/>
           </a:p>
@@ -674,7 +680,7 @@
           <a:p>
             <a:fld id="{5EBBA783-FA16-49BD-ABA3-B77C8494C0C7}" type="datetimeFigureOut">
               <a:rPr lang="en-AU" smtClean="0"/>
-              <a:t>26/04/2020</a:t>
+              <a:t>4/05/2020</a:t>
             </a:fld>
             <a:endParaRPr lang="en-AU"/>
           </a:p>
@@ -874,7 +880,7 @@
           <a:p>
             <a:fld id="{5EBBA783-FA16-49BD-ABA3-B77C8494C0C7}" type="datetimeFigureOut">
               <a:rPr lang="en-AU" smtClean="0"/>
-              <a:t>26/04/2020</a:t>
+              <a:t>4/05/2020</a:t>
             </a:fld>
             <a:endParaRPr lang="en-AU"/>
           </a:p>
@@ -1150,7 +1156,7 @@
           <a:p>
             <a:fld id="{5EBBA783-FA16-49BD-ABA3-B77C8494C0C7}" type="datetimeFigureOut">
               <a:rPr lang="en-AU" smtClean="0"/>
-              <a:t>26/04/2020</a:t>
+              <a:t>4/05/2020</a:t>
             </a:fld>
             <a:endParaRPr lang="en-AU"/>
           </a:p>
@@ -1418,7 +1424,7 @@
           <a:p>
             <a:fld id="{5EBBA783-FA16-49BD-ABA3-B77C8494C0C7}" type="datetimeFigureOut">
               <a:rPr lang="en-AU" smtClean="0"/>
-              <a:t>26/04/2020</a:t>
+              <a:t>4/05/2020</a:t>
             </a:fld>
             <a:endParaRPr lang="en-AU"/>
           </a:p>
@@ -1833,7 +1839,7 @@
           <a:p>
             <a:fld id="{5EBBA783-FA16-49BD-ABA3-B77C8494C0C7}" type="datetimeFigureOut">
               <a:rPr lang="en-AU" smtClean="0"/>
-              <a:t>26/04/2020</a:t>
+              <a:t>4/05/2020</a:t>
             </a:fld>
             <a:endParaRPr lang="en-AU"/>
           </a:p>
@@ -1975,7 +1981,7 @@
           <a:p>
             <a:fld id="{5EBBA783-FA16-49BD-ABA3-B77C8494C0C7}" type="datetimeFigureOut">
               <a:rPr lang="en-AU" smtClean="0"/>
-              <a:t>26/04/2020</a:t>
+              <a:t>4/05/2020</a:t>
             </a:fld>
             <a:endParaRPr lang="en-AU"/>
           </a:p>
@@ -2088,7 +2094,7 @@
           <a:p>
             <a:fld id="{5EBBA783-FA16-49BD-ABA3-B77C8494C0C7}" type="datetimeFigureOut">
               <a:rPr lang="en-AU" smtClean="0"/>
-              <a:t>26/04/2020</a:t>
+              <a:t>4/05/2020</a:t>
             </a:fld>
             <a:endParaRPr lang="en-AU"/>
           </a:p>
@@ -2401,7 +2407,7 @@
           <a:p>
             <a:fld id="{5EBBA783-FA16-49BD-ABA3-B77C8494C0C7}" type="datetimeFigureOut">
               <a:rPr lang="en-AU" smtClean="0"/>
-              <a:t>26/04/2020</a:t>
+              <a:t>4/05/2020</a:t>
             </a:fld>
             <a:endParaRPr lang="en-AU"/>
           </a:p>
@@ -2690,7 +2696,7 @@
           <a:p>
             <a:fld id="{5EBBA783-FA16-49BD-ABA3-B77C8494C0C7}" type="datetimeFigureOut">
               <a:rPr lang="en-AU" smtClean="0"/>
-              <a:t>26/04/2020</a:t>
+              <a:t>4/05/2020</a:t>
             </a:fld>
             <a:endParaRPr lang="en-AU"/>
           </a:p>
@@ -2933,7 +2939,7 @@
           <a:p>
             <a:fld id="{5EBBA783-FA16-49BD-ABA3-B77C8494C0C7}" type="datetimeFigureOut">
               <a:rPr lang="en-AU" smtClean="0"/>
-              <a:t>26/04/2020</a:t>
+              <a:t>4/05/2020</a:t>
             </a:fld>
             <a:endParaRPr lang="en-AU"/>
           </a:p>
@@ -3442,6 +3448,328 @@
 </p:sld>
 </file>
 
+<file path=ppt/slides/slide10.xml><?xml version="1.0" encoding="utf-8"?>
+<p:sld xmlns:a="http://schemas.openxmlformats.org/drawingml/2006/main" xmlns:r="http://schemas.openxmlformats.org/officeDocument/2006/relationships" xmlns:p="http://schemas.openxmlformats.org/presentationml/2006/main">
+  <p:cSld>
+    <p:spTree>
+      <p:nvGrpSpPr>
+        <p:cNvPr id="1" name=""/>
+        <p:cNvGrpSpPr/>
+        <p:nvPr/>
+      </p:nvGrpSpPr>
+      <p:grpSpPr>
+        <a:xfrm>
+          <a:off x="0" y="0"/>
+          <a:ext cx="0" cy="0"/>
+          <a:chOff x="0" y="0"/>
+          <a:chExt cx="0" cy="0"/>
+        </a:xfrm>
+      </p:grpSpPr>
+      <p:graphicFrame>
+        <p:nvGraphicFramePr>
+          <p:cNvPr id="7" name="Object 6">
+            <a:extLst>
+              <a:ext uri="{FF2B5EF4-FFF2-40B4-BE49-F238E27FC236}">
+                <a16:creationId xmlns:a16="http://schemas.microsoft.com/office/drawing/2014/main" id="{69E9EA66-C90B-4E9B-B0FA-C6BC8964826B}"/>
+              </a:ext>
+            </a:extLst>
+          </p:cNvPr>
+          <p:cNvGraphicFramePr>
+            <a:graphicFrameLocks noChangeAspect="1"/>
+          </p:cNvGraphicFramePr>
+          <p:nvPr>
+            <p:extLst>
+              <p:ext uri="{D42A27DB-BD31-4B8C-83A1-F6EECF244321}">
+                <p14:modId xmlns:p14="http://schemas.microsoft.com/office/powerpoint/2010/main" val="2124304358"/>
+              </p:ext>
+            </p:extLst>
+          </p:nvPr>
+        </p:nvGraphicFramePr>
+        <p:xfrm>
+          <a:off x="355013" y="2367692"/>
+          <a:ext cx="914400" cy="771525"/>
+        </p:xfrm>
+        <a:graphic>
+          <a:graphicData uri="http://schemas.openxmlformats.org/presentationml/2006/ole">
+            <mc:AlternateContent xmlns:mc="http://schemas.openxmlformats.org/markup-compatibility/2006">
+              <mc:Choice xmlns:v="urn:schemas-microsoft-com:vml" Requires="v">
+                <p:oleObj spid="_x0000_s1028" name="Acrobat Document" showAsIcon="1" r:id="rId3" imgW="914400" imgH="771480" progId="Acrobat.Document.DC">
+                  <p:embed/>
+                </p:oleObj>
+              </mc:Choice>
+              <mc:Fallback>
+                <p:oleObj name="Acrobat Document" showAsIcon="1" r:id="rId3" imgW="914400" imgH="771480" progId="Acrobat.Document.DC">
+                  <p:embed/>
+                  <p:pic>
+                    <p:nvPicPr>
+                      <p:cNvPr id="0" name=""/>
+                      <p:cNvPicPr/>
+                      <p:nvPr/>
+                    </p:nvPicPr>
+                    <p:blipFill>
+                      <a:blip r:embed="rId4"/>
+                      <a:stretch>
+                        <a:fillRect/>
+                      </a:stretch>
+                    </p:blipFill>
+                    <p:spPr>
+                      <a:xfrm>
+                        <a:off x="355013" y="2367692"/>
+                        <a:ext cx="914400" cy="771525"/>
+                      </a:xfrm>
+                      <a:prstGeom prst="rect">
+                        <a:avLst/>
+                      </a:prstGeom>
+                    </p:spPr>
+                  </p:pic>
+                </p:oleObj>
+              </mc:Fallback>
+            </mc:AlternateContent>
+          </a:graphicData>
+        </a:graphic>
+      </p:graphicFrame>
+      <p:graphicFrame>
+        <p:nvGraphicFramePr>
+          <p:cNvPr id="8" name="Object 7">
+            <a:extLst>
+              <a:ext uri="{FF2B5EF4-FFF2-40B4-BE49-F238E27FC236}">
+                <a16:creationId xmlns:a16="http://schemas.microsoft.com/office/drawing/2014/main" id="{3B1A2CB4-2597-481F-9B82-84967EDB9240}"/>
+              </a:ext>
+            </a:extLst>
+          </p:cNvPr>
+          <p:cNvGraphicFramePr>
+            <a:graphicFrameLocks noChangeAspect="1"/>
+          </p:cNvGraphicFramePr>
+          <p:nvPr>
+            <p:extLst>
+              <p:ext uri="{D42A27DB-BD31-4B8C-83A1-F6EECF244321}">
+                <p14:modId xmlns:p14="http://schemas.microsoft.com/office/powerpoint/2010/main" val="2071412259"/>
+              </p:ext>
+            </p:extLst>
+          </p:nvPr>
+        </p:nvGraphicFramePr>
+        <p:xfrm>
+          <a:off x="355013" y="3429000"/>
+          <a:ext cx="914400" cy="771525"/>
+        </p:xfrm>
+        <a:graphic>
+          <a:graphicData uri="http://schemas.openxmlformats.org/presentationml/2006/ole">
+            <mc:AlternateContent xmlns:mc="http://schemas.openxmlformats.org/markup-compatibility/2006">
+              <mc:Choice xmlns:v="urn:schemas-microsoft-com:vml" Requires="v">
+                <p:oleObj spid="_x0000_s1029" name="Worksheet" showAsIcon="1" r:id="rId5" imgW="914400" imgH="771480" progId="Excel.Sheet.12">
+                  <p:embed/>
+                </p:oleObj>
+              </mc:Choice>
+              <mc:Fallback>
+                <p:oleObj name="Worksheet" showAsIcon="1" r:id="rId5" imgW="914400" imgH="771480" progId="Excel.Sheet.12">
+                  <p:embed/>
+                  <p:pic>
+                    <p:nvPicPr>
+                      <p:cNvPr id="0" name=""/>
+                      <p:cNvPicPr/>
+                      <p:nvPr/>
+                    </p:nvPicPr>
+                    <p:blipFill>
+                      <a:blip r:embed="rId6"/>
+                      <a:stretch>
+                        <a:fillRect/>
+                      </a:stretch>
+                    </p:blipFill>
+                    <p:spPr>
+                      <a:xfrm>
+                        <a:off x="355013" y="3429000"/>
+                        <a:ext cx="914400" cy="771525"/>
+                      </a:xfrm>
+                      <a:prstGeom prst="rect">
+                        <a:avLst/>
+                      </a:prstGeom>
+                    </p:spPr>
+                  </p:pic>
+                </p:oleObj>
+              </mc:Fallback>
+            </mc:AlternateContent>
+          </a:graphicData>
+        </a:graphic>
+      </p:graphicFrame>
+      <p:sp>
+        <p:nvSpPr>
+          <p:cNvPr id="9" name="Title 1">
+            <a:extLst>
+              <a:ext uri="{FF2B5EF4-FFF2-40B4-BE49-F238E27FC236}">
+                <a16:creationId xmlns:a16="http://schemas.microsoft.com/office/drawing/2014/main" id="{63FD69EC-7801-478A-BEB7-A807453374E4}"/>
+              </a:ext>
+            </a:extLst>
+          </p:cNvPr>
+          <p:cNvSpPr txBox="1">
+            <a:spLocks/>
+          </p:cNvSpPr>
+          <p:nvPr/>
+        </p:nvSpPr>
+        <p:spPr>
+          <a:xfrm>
+            <a:off x="0" y="1"/>
+            <a:ext cx="12192000" cy="807928"/>
+          </a:xfrm>
+          <a:prstGeom prst="rect">
+            <a:avLst/>
+          </a:prstGeom>
+        </p:spPr>
+        <p:txBody>
+          <a:bodyPr vert="horz" lIns="91440" tIns="45720" rIns="91440" bIns="45720" rtlCol="0" anchor="b">
+            <a:normAutofit/>
+          </a:bodyPr>
+          <a:lstStyle>
+            <a:lvl1pPr algn="ctr" defTabSz="914400" rtl="0" eaLnBrk="1" latinLnBrk="0" hangingPunct="1">
+              <a:lnSpc>
+                <a:spcPct val="90000"/>
+              </a:lnSpc>
+              <a:spcBef>
+                <a:spcPct val="0"/>
+              </a:spcBef>
+              <a:buNone/>
+              <a:defRPr sz="6000" kern="1200">
+                <a:solidFill>
+                  <a:schemeClr val="tx1"/>
+                </a:solidFill>
+                <a:latin typeface="+mj-lt"/>
+                <a:ea typeface="+mj-ea"/>
+                <a:cs typeface="+mj-cs"/>
+              </a:defRPr>
+            </a:lvl1pPr>
+          </a:lstStyle>
+          <a:p>
+            <a:pPr algn="l"/>
+            <a:r>
+              <a:rPr lang="en-AU" sz="4400" dirty="0"/>
+              <a:t>The VDP3.0 Pipeline Supporting Documents</a:t>
+            </a:r>
+            <a:endParaRPr lang="en-AU" sz="4400" u="sng" dirty="0"/>
+          </a:p>
+        </p:txBody>
+      </p:sp>
+      <p:sp>
+        <p:nvSpPr>
+          <p:cNvPr id="10" name="TextBox 9">
+            <a:extLst>
+              <a:ext uri="{FF2B5EF4-FFF2-40B4-BE49-F238E27FC236}">
+                <a16:creationId xmlns:a16="http://schemas.microsoft.com/office/drawing/2014/main" id="{2A5FF015-2B29-450C-BDBD-0AEA54D22DE5}"/>
+              </a:ext>
+            </a:extLst>
+          </p:cNvPr>
+          <p:cNvSpPr txBox="1"/>
+          <p:nvPr/>
+        </p:nvSpPr>
+        <p:spPr>
+          <a:xfrm>
+            <a:off x="1381540" y="2367692"/>
+            <a:ext cx="4872039" cy="523220"/>
+          </a:xfrm>
+          <a:prstGeom prst="rect">
+            <a:avLst/>
+          </a:prstGeom>
+          <a:noFill/>
+        </p:spPr>
+        <p:txBody>
+          <a:bodyPr wrap="none" rtlCol="0">
+            <a:spAutoFit/>
+          </a:bodyPr>
+          <a:lstStyle/>
+          <a:p>
+            <a:r>
+              <a:rPr lang="en-AU" sz="2800" dirty="0"/>
+              <a:t>Example Summary, NATA Report</a:t>
+            </a:r>
+          </a:p>
+        </p:txBody>
+      </p:sp>
+      <p:sp>
+        <p:nvSpPr>
+          <p:cNvPr id="11" name="TextBox 10">
+            <a:extLst>
+              <a:ext uri="{FF2B5EF4-FFF2-40B4-BE49-F238E27FC236}">
+                <a16:creationId xmlns:a16="http://schemas.microsoft.com/office/drawing/2014/main" id="{E9C1D759-DAC1-441D-ABC9-402781F9E3FD}"/>
+              </a:ext>
+            </a:extLst>
+          </p:cNvPr>
+          <p:cNvSpPr txBox="1"/>
+          <p:nvPr/>
+        </p:nvSpPr>
+        <p:spPr>
+          <a:xfrm>
+            <a:off x="1381540" y="3437615"/>
+            <a:ext cx="10306924" cy="523220"/>
+          </a:xfrm>
+          <a:prstGeom prst="rect">
+            <a:avLst/>
+          </a:prstGeom>
+          <a:noFill/>
+        </p:spPr>
+        <p:txBody>
+          <a:bodyPr wrap="none" rtlCol="0">
+            <a:spAutoFit/>
+          </a:bodyPr>
+          <a:lstStyle/>
+          <a:p>
+            <a:r>
+              <a:rPr lang="en-AU" sz="2800" dirty="0"/>
+              <a:t>Description of the SNV and CNV report fields and </a:t>
+            </a:r>
+            <a:r>
+              <a:rPr lang="en-AU" sz="2800"/>
+              <a:t>example TSV reports</a:t>
+            </a:r>
+            <a:endParaRPr lang="en-AU" sz="2800" dirty="0"/>
+          </a:p>
+        </p:txBody>
+      </p:sp>
+      <p:sp>
+        <p:nvSpPr>
+          <p:cNvPr id="12" name="TextBox 11">
+            <a:extLst>
+              <a:ext uri="{FF2B5EF4-FFF2-40B4-BE49-F238E27FC236}">
+                <a16:creationId xmlns:a16="http://schemas.microsoft.com/office/drawing/2014/main" id="{F6F848B3-9D2F-45F7-8C61-D5F8A5D3BB7C}"/>
+              </a:ext>
+            </a:extLst>
+          </p:cNvPr>
+          <p:cNvSpPr txBox="1"/>
+          <p:nvPr/>
+        </p:nvSpPr>
+        <p:spPr>
+          <a:xfrm>
+            <a:off x="0" y="1354632"/>
+            <a:ext cx="3333157" cy="400110"/>
+          </a:xfrm>
+          <a:prstGeom prst="rect">
+            <a:avLst/>
+          </a:prstGeom>
+          <a:noFill/>
+        </p:spPr>
+        <p:txBody>
+          <a:bodyPr wrap="none" rtlCol="0">
+            <a:spAutoFit/>
+          </a:bodyPr>
+          <a:lstStyle/>
+          <a:p>
+            <a:r>
+              <a:rPr lang="en-AU" sz="2000" i="1" dirty="0"/>
+              <a:t>Double-click the icons to open</a:t>
+            </a:r>
+          </a:p>
+        </p:txBody>
+      </p:sp>
+    </p:spTree>
+    <p:extLst>
+      <p:ext uri="{BB962C8B-B14F-4D97-AF65-F5344CB8AC3E}">
+        <p14:creationId xmlns:p14="http://schemas.microsoft.com/office/powerpoint/2010/main" val="2908815638"/>
+      </p:ext>
+    </p:extLst>
+  </p:cSld>
+  <p:clrMapOvr>
+    <a:masterClrMapping/>
+  </p:clrMapOvr>
+</p:sld>
+</file>
+
 <file path=ppt/slides/slide2.xml><?xml version="1.0" encoding="utf-8"?>
 <p:sld xmlns:a="http://schemas.openxmlformats.org/drawingml/2006/main" xmlns:r="http://schemas.openxmlformats.org/officeDocument/2006/relationships" xmlns:p="http://schemas.openxmlformats.org/presentationml/2006/main">
   <p:cSld>
